--- a/ind_gdp_plot.pptx
+++ b/ind_gdp_plot.pptx
@@ -3218,651 +3218,6 @@
           </p:nvSpPr>
           <p:spPr>
             <a:xfrm>
-              <a:off x="4340693" y="7638452"/>
-              <a:ext cx="6791117" cy="0"/>
-            </a:xfrm>
-            <a:custGeom>
-              <a:avLst/>
-              <a:pathLst>
-                <a:path w="6791117" h="0">
-                  <a:moveTo>
-                    <a:pt x="0" y="0"/>
-                  </a:moveTo>
-                  <a:lnTo>
-                    <a:pt x="6791117" y="0"/>
-                  </a:lnTo>
-                  <a:lnTo>
-                    <a:pt x="6791117" y="0"/>
-                  </a:lnTo>
-                </a:path>
-              </a:pathLst>
-            </a:custGeom>
-            <a:ln w="6775" cap="flat">
-              <a:solidFill>
-                <a:srgbClr val="EBEBEB">
-                  <a:alpha val="100000"/>
-                </a:srgbClr>
-              </a:solidFill>
-              <a:prstDash val="solid"/>
-              <a:round/>
-            </a:ln>
-          </p:spPr>
-          <p:txBody>
-            <a:bodyPr/>
-            <a:lstStyle/>
-            <a:p/>
-          </p:txBody>
-        </p:sp>
-        <p:sp>
-          <p:nvSpPr>
-            <p:cNvPr id="7" name="pl7"/>
-            <p:cNvSpPr/>
-            <p:nvPr/>
-          </p:nvSpPr>
-          <p:spPr>
-            <a:xfrm>
-              <a:off x="4340693" y="5871012"/>
-              <a:ext cx="6791117" cy="0"/>
-            </a:xfrm>
-            <a:custGeom>
-              <a:avLst/>
-              <a:pathLst>
-                <a:path w="6791117" h="0">
-                  <a:moveTo>
-                    <a:pt x="0" y="0"/>
-                  </a:moveTo>
-                  <a:lnTo>
-                    <a:pt x="6791117" y="0"/>
-                  </a:lnTo>
-                  <a:lnTo>
-                    <a:pt x="6791117" y="0"/>
-                  </a:lnTo>
-                </a:path>
-              </a:pathLst>
-            </a:custGeom>
-            <a:ln w="6775" cap="flat">
-              <a:solidFill>
-                <a:srgbClr val="EBEBEB">
-                  <a:alpha val="100000"/>
-                </a:srgbClr>
-              </a:solidFill>
-              <a:prstDash val="solid"/>
-              <a:round/>
-            </a:ln>
-          </p:spPr>
-          <p:txBody>
-            <a:bodyPr/>
-            <a:lstStyle/>
-            <a:p/>
-          </p:txBody>
-        </p:sp>
-        <p:sp>
-          <p:nvSpPr>
-            <p:cNvPr id="8" name="pl8"/>
-            <p:cNvSpPr/>
-            <p:nvPr/>
-          </p:nvSpPr>
-          <p:spPr>
-            <a:xfrm>
-              <a:off x="4340693" y="4103573"/>
-              <a:ext cx="6791117" cy="0"/>
-            </a:xfrm>
-            <a:custGeom>
-              <a:avLst/>
-              <a:pathLst>
-                <a:path w="6791117" h="0">
-                  <a:moveTo>
-                    <a:pt x="0" y="0"/>
-                  </a:moveTo>
-                  <a:lnTo>
-                    <a:pt x="6791117" y="0"/>
-                  </a:lnTo>
-                  <a:lnTo>
-                    <a:pt x="6791117" y="0"/>
-                  </a:lnTo>
-                </a:path>
-              </a:pathLst>
-            </a:custGeom>
-            <a:ln w="6775" cap="flat">
-              <a:solidFill>
-                <a:srgbClr val="EBEBEB">
-                  <a:alpha val="100000"/>
-                </a:srgbClr>
-              </a:solidFill>
-              <a:prstDash val="solid"/>
-              <a:round/>
-            </a:ln>
-          </p:spPr>
-          <p:txBody>
-            <a:bodyPr/>
-            <a:lstStyle/>
-            <a:p/>
-          </p:txBody>
-        </p:sp>
-        <p:sp>
-          <p:nvSpPr>
-            <p:cNvPr id="9" name="pl9"/>
-            <p:cNvSpPr/>
-            <p:nvPr/>
-          </p:nvSpPr>
-          <p:spPr>
-            <a:xfrm>
-              <a:off x="4340693" y="2336133"/>
-              <a:ext cx="6791117" cy="0"/>
-            </a:xfrm>
-            <a:custGeom>
-              <a:avLst/>
-              <a:pathLst>
-                <a:path w="6791117" h="0">
-                  <a:moveTo>
-                    <a:pt x="0" y="0"/>
-                  </a:moveTo>
-                  <a:lnTo>
-                    <a:pt x="6791117" y="0"/>
-                  </a:lnTo>
-                  <a:lnTo>
-                    <a:pt x="6791117" y="0"/>
-                  </a:lnTo>
-                </a:path>
-              </a:pathLst>
-            </a:custGeom>
-            <a:ln w="6775" cap="flat">
-              <a:solidFill>
-                <a:srgbClr val="EBEBEB">
-                  <a:alpha val="100000"/>
-                </a:srgbClr>
-              </a:solidFill>
-              <a:prstDash val="solid"/>
-              <a:round/>
-            </a:ln>
-          </p:spPr>
-          <p:txBody>
-            <a:bodyPr/>
-            <a:lstStyle/>
-            <a:p/>
-          </p:txBody>
-        </p:sp>
-        <p:sp>
-          <p:nvSpPr>
-            <p:cNvPr id="10" name="pl10"/>
-            <p:cNvSpPr/>
-            <p:nvPr/>
-          </p:nvSpPr>
-          <p:spPr>
-            <a:xfrm>
-              <a:off x="5632461" y="1761070"/>
-              <a:ext cx="0" cy="6839678"/>
-            </a:xfrm>
-            <a:custGeom>
-              <a:avLst/>
-              <a:pathLst>
-                <a:path w="0" h="6839678">
-                  <a:moveTo>
-                    <a:pt x="0" y="6839678"/>
-                  </a:moveTo>
-                  <a:lnTo>
-                    <a:pt x="0" y="0"/>
-                  </a:lnTo>
-                  <a:lnTo>
-                    <a:pt x="0" y="0"/>
-                  </a:lnTo>
-                </a:path>
-              </a:pathLst>
-            </a:custGeom>
-            <a:ln w="6775" cap="flat">
-              <a:solidFill>
-                <a:srgbClr val="EBEBEB">
-                  <a:alpha val="100000"/>
-                </a:srgbClr>
-              </a:solidFill>
-              <a:prstDash val="solid"/>
-              <a:round/>
-            </a:ln>
-          </p:spPr>
-          <p:txBody>
-            <a:bodyPr/>
-            <a:lstStyle/>
-            <a:p/>
-          </p:txBody>
-        </p:sp>
-        <p:sp>
-          <p:nvSpPr>
-            <p:cNvPr id="11" name="pl11"/>
-            <p:cNvSpPr/>
-            <p:nvPr/>
-          </p:nvSpPr>
-          <p:spPr>
-            <a:xfrm>
-              <a:off x="7598621" y="1761070"/>
-              <a:ext cx="0" cy="6839678"/>
-            </a:xfrm>
-            <a:custGeom>
-              <a:avLst/>
-              <a:pathLst>
-                <a:path w="0" h="6839678">
-                  <a:moveTo>
-                    <a:pt x="0" y="6839678"/>
-                  </a:moveTo>
-                  <a:lnTo>
-                    <a:pt x="0" y="0"/>
-                  </a:lnTo>
-                  <a:lnTo>
-                    <a:pt x="0" y="0"/>
-                  </a:lnTo>
-                </a:path>
-              </a:pathLst>
-            </a:custGeom>
-            <a:ln w="6775" cap="flat">
-              <a:solidFill>
-                <a:srgbClr val="EBEBEB">
-                  <a:alpha val="100000"/>
-                </a:srgbClr>
-              </a:solidFill>
-              <a:prstDash val="solid"/>
-              <a:round/>
-            </a:ln>
-          </p:spPr>
-          <p:txBody>
-            <a:bodyPr/>
-            <a:lstStyle/>
-            <a:p/>
-          </p:txBody>
-        </p:sp>
-        <p:sp>
-          <p:nvSpPr>
-            <p:cNvPr id="12" name="pl12"/>
-            <p:cNvSpPr/>
-            <p:nvPr/>
-          </p:nvSpPr>
-          <p:spPr>
-            <a:xfrm>
-              <a:off x="9564781" y="1761070"/>
-              <a:ext cx="0" cy="6839678"/>
-            </a:xfrm>
-            <a:custGeom>
-              <a:avLst/>
-              <a:pathLst>
-                <a:path w="0" h="6839678">
-                  <a:moveTo>
-                    <a:pt x="0" y="6839678"/>
-                  </a:moveTo>
-                  <a:lnTo>
-                    <a:pt x="0" y="0"/>
-                  </a:lnTo>
-                  <a:lnTo>
-                    <a:pt x="0" y="0"/>
-                  </a:lnTo>
-                </a:path>
-              </a:pathLst>
-            </a:custGeom>
-            <a:ln w="6775" cap="flat">
-              <a:solidFill>
-                <a:srgbClr val="EBEBEB">
-                  <a:alpha val="100000"/>
-                </a:srgbClr>
-              </a:solidFill>
-              <a:prstDash val="solid"/>
-              <a:round/>
-            </a:ln>
-          </p:spPr>
-          <p:txBody>
-            <a:bodyPr/>
-            <a:lstStyle/>
-            <a:p/>
-          </p:txBody>
-        </p:sp>
-        <p:sp>
-          <p:nvSpPr>
-            <p:cNvPr id="13" name="pl13"/>
-            <p:cNvSpPr/>
-            <p:nvPr/>
-          </p:nvSpPr>
-          <p:spPr>
-            <a:xfrm>
-              <a:off x="4340693" y="8522172"/>
-              <a:ext cx="6791117" cy="0"/>
-            </a:xfrm>
-            <a:custGeom>
-              <a:avLst/>
-              <a:pathLst>
-                <a:path w="6791117" h="0">
-                  <a:moveTo>
-                    <a:pt x="0" y="0"/>
-                  </a:moveTo>
-                  <a:lnTo>
-                    <a:pt x="6791117" y="0"/>
-                  </a:lnTo>
-                  <a:lnTo>
-                    <a:pt x="6791117" y="0"/>
-                  </a:lnTo>
-                </a:path>
-              </a:pathLst>
-            </a:custGeom>
-            <a:ln w="13550" cap="flat">
-              <a:solidFill>
-                <a:srgbClr val="EBEBEB">
-                  <a:alpha val="100000"/>
-                </a:srgbClr>
-              </a:solidFill>
-              <a:prstDash val="solid"/>
-              <a:round/>
-            </a:ln>
-          </p:spPr>
-          <p:txBody>
-            <a:bodyPr/>
-            <a:lstStyle/>
-            <a:p/>
-          </p:txBody>
-        </p:sp>
-        <p:sp>
-          <p:nvSpPr>
-            <p:cNvPr id="14" name="pl14"/>
-            <p:cNvSpPr/>
-            <p:nvPr/>
-          </p:nvSpPr>
-          <p:spPr>
-            <a:xfrm>
-              <a:off x="4340693" y="6754732"/>
-              <a:ext cx="6791117" cy="0"/>
-            </a:xfrm>
-            <a:custGeom>
-              <a:avLst/>
-              <a:pathLst>
-                <a:path w="6791117" h="0">
-                  <a:moveTo>
-                    <a:pt x="0" y="0"/>
-                  </a:moveTo>
-                  <a:lnTo>
-                    <a:pt x="6791117" y="0"/>
-                  </a:lnTo>
-                  <a:lnTo>
-                    <a:pt x="6791117" y="0"/>
-                  </a:lnTo>
-                </a:path>
-              </a:pathLst>
-            </a:custGeom>
-            <a:ln w="13550" cap="flat">
-              <a:solidFill>
-                <a:srgbClr val="EBEBEB">
-                  <a:alpha val="100000"/>
-                </a:srgbClr>
-              </a:solidFill>
-              <a:prstDash val="solid"/>
-              <a:round/>
-            </a:ln>
-          </p:spPr>
-          <p:txBody>
-            <a:bodyPr/>
-            <a:lstStyle/>
-            <a:p/>
-          </p:txBody>
-        </p:sp>
-        <p:sp>
-          <p:nvSpPr>
-            <p:cNvPr id="15" name="pl15"/>
-            <p:cNvSpPr/>
-            <p:nvPr/>
-          </p:nvSpPr>
-          <p:spPr>
-            <a:xfrm>
-              <a:off x="4340693" y="4987293"/>
-              <a:ext cx="6791117" cy="0"/>
-            </a:xfrm>
-            <a:custGeom>
-              <a:avLst/>
-              <a:pathLst>
-                <a:path w="6791117" h="0">
-                  <a:moveTo>
-                    <a:pt x="0" y="0"/>
-                  </a:moveTo>
-                  <a:lnTo>
-                    <a:pt x="6791117" y="0"/>
-                  </a:lnTo>
-                  <a:lnTo>
-                    <a:pt x="6791117" y="0"/>
-                  </a:lnTo>
-                </a:path>
-              </a:pathLst>
-            </a:custGeom>
-            <a:ln w="13550" cap="flat">
-              <a:solidFill>
-                <a:srgbClr val="EBEBEB">
-                  <a:alpha val="100000"/>
-                </a:srgbClr>
-              </a:solidFill>
-              <a:prstDash val="solid"/>
-              <a:round/>
-            </a:ln>
-          </p:spPr>
-          <p:txBody>
-            <a:bodyPr/>
-            <a:lstStyle/>
-            <a:p/>
-          </p:txBody>
-        </p:sp>
-        <p:sp>
-          <p:nvSpPr>
-            <p:cNvPr id="16" name="pl16"/>
-            <p:cNvSpPr/>
-            <p:nvPr/>
-          </p:nvSpPr>
-          <p:spPr>
-            <a:xfrm>
-              <a:off x="4340693" y="3219853"/>
-              <a:ext cx="6791117" cy="0"/>
-            </a:xfrm>
-            <a:custGeom>
-              <a:avLst/>
-              <a:pathLst>
-                <a:path w="6791117" h="0">
-                  <a:moveTo>
-                    <a:pt x="0" y="0"/>
-                  </a:moveTo>
-                  <a:lnTo>
-                    <a:pt x="6791117" y="0"/>
-                  </a:lnTo>
-                  <a:lnTo>
-                    <a:pt x="6791117" y="0"/>
-                  </a:lnTo>
-                </a:path>
-              </a:pathLst>
-            </a:custGeom>
-            <a:ln w="13550" cap="flat">
-              <a:solidFill>
-                <a:srgbClr val="EBEBEB">
-                  <a:alpha val="100000"/>
-                </a:srgbClr>
-              </a:solidFill>
-              <a:prstDash val="solid"/>
-              <a:round/>
-            </a:ln>
-          </p:spPr>
-          <p:txBody>
-            <a:bodyPr/>
-            <a:lstStyle/>
-            <a:p/>
-          </p:txBody>
-        </p:sp>
-        <p:sp>
-          <p:nvSpPr>
-            <p:cNvPr id="17" name="pl17"/>
-            <p:cNvSpPr/>
-            <p:nvPr/>
-          </p:nvSpPr>
-          <p:spPr>
-            <a:xfrm>
-              <a:off x="4649380" y="1761070"/>
-              <a:ext cx="0" cy="6839678"/>
-            </a:xfrm>
-            <a:custGeom>
-              <a:avLst/>
-              <a:pathLst>
-                <a:path w="0" h="6839678">
-                  <a:moveTo>
-                    <a:pt x="0" y="6839678"/>
-                  </a:moveTo>
-                  <a:lnTo>
-                    <a:pt x="0" y="0"/>
-                  </a:lnTo>
-                  <a:lnTo>
-                    <a:pt x="0" y="0"/>
-                  </a:lnTo>
-                </a:path>
-              </a:pathLst>
-            </a:custGeom>
-            <a:ln w="13550" cap="flat">
-              <a:solidFill>
-                <a:srgbClr val="EBEBEB">
-                  <a:alpha val="100000"/>
-                </a:srgbClr>
-              </a:solidFill>
-              <a:prstDash val="solid"/>
-              <a:round/>
-            </a:ln>
-          </p:spPr>
-          <p:txBody>
-            <a:bodyPr/>
-            <a:lstStyle/>
-            <a:p/>
-          </p:txBody>
-        </p:sp>
-        <p:sp>
-          <p:nvSpPr>
-            <p:cNvPr id="18" name="pl18"/>
-            <p:cNvSpPr/>
-            <p:nvPr/>
-          </p:nvSpPr>
-          <p:spPr>
-            <a:xfrm>
-              <a:off x="6615541" y="1761070"/>
-              <a:ext cx="0" cy="6839678"/>
-            </a:xfrm>
-            <a:custGeom>
-              <a:avLst/>
-              <a:pathLst>
-                <a:path w="0" h="6839678">
-                  <a:moveTo>
-                    <a:pt x="0" y="6839678"/>
-                  </a:moveTo>
-                  <a:lnTo>
-                    <a:pt x="0" y="0"/>
-                  </a:lnTo>
-                  <a:lnTo>
-                    <a:pt x="0" y="0"/>
-                  </a:lnTo>
-                </a:path>
-              </a:pathLst>
-            </a:custGeom>
-            <a:ln w="13550" cap="flat">
-              <a:solidFill>
-                <a:srgbClr val="EBEBEB">
-                  <a:alpha val="100000"/>
-                </a:srgbClr>
-              </a:solidFill>
-              <a:prstDash val="solid"/>
-              <a:round/>
-            </a:ln>
-          </p:spPr>
-          <p:txBody>
-            <a:bodyPr/>
-            <a:lstStyle/>
-            <a:p/>
-          </p:txBody>
-        </p:sp>
-        <p:sp>
-          <p:nvSpPr>
-            <p:cNvPr id="19" name="pl19"/>
-            <p:cNvSpPr/>
-            <p:nvPr/>
-          </p:nvSpPr>
-          <p:spPr>
-            <a:xfrm>
-              <a:off x="8581701" y="1761070"/>
-              <a:ext cx="0" cy="6839678"/>
-            </a:xfrm>
-            <a:custGeom>
-              <a:avLst/>
-              <a:pathLst>
-                <a:path w="0" h="6839678">
-                  <a:moveTo>
-                    <a:pt x="0" y="6839678"/>
-                  </a:moveTo>
-                  <a:lnTo>
-                    <a:pt x="0" y="0"/>
-                  </a:lnTo>
-                  <a:lnTo>
-                    <a:pt x="0" y="0"/>
-                  </a:lnTo>
-                </a:path>
-              </a:pathLst>
-            </a:custGeom>
-            <a:ln w="13550" cap="flat">
-              <a:solidFill>
-                <a:srgbClr val="EBEBEB">
-                  <a:alpha val="100000"/>
-                </a:srgbClr>
-              </a:solidFill>
-              <a:prstDash val="solid"/>
-              <a:round/>
-            </a:ln>
-          </p:spPr>
-          <p:txBody>
-            <a:bodyPr/>
-            <a:lstStyle/>
-            <a:p/>
-          </p:txBody>
-        </p:sp>
-        <p:sp>
-          <p:nvSpPr>
-            <p:cNvPr id="20" name="pl20"/>
-            <p:cNvSpPr/>
-            <p:nvPr/>
-          </p:nvSpPr>
-          <p:spPr>
-            <a:xfrm>
-              <a:off x="10547861" y="1761070"/>
-              <a:ext cx="0" cy="6839678"/>
-            </a:xfrm>
-            <a:custGeom>
-              <a:avLst/>
-              <a:pathLst>
-                <a:path w="0" h="6839678">
-                  <a:moveTo>
-                    <a:pt x="0" y="6839678"/>
-                  </a:moveTo>
-                  <a:lnTo>
-                    <a:pt x="0" y="0"/>
-                  </a:lnTo>
-                  <a:lnTo>
-                    <a:pt x="0" y="0"/>
-                  </a:lnTo>
-                </a:path>
-              </a:pathLst>
-            </a:custGeom>
-            <a:ln w="13550" cap="flat">
-              <a:solidFill>
-                <a:srgbClr val="EBEBEB">
-                  <a:alpha val="100000"/>
-                </a:srgbClr>
-              </a:solidFill>
-              <a:prstDash val="solid"/>
-              <a:round/>
-            </a:ln>
-          </p:spPr>
-          <p:txBody>
-            <a:bodyPr/>
-            <a:lstStyle/>
-            <a:p/>
-          </p:txBody>
-        </p:sp>
-        <p:sp>
-          <p:nvSpPr>
-            <p:cNvPr id="21" name="pl21"/>
-            <p:cNvSpPr/>
-            <p:nvPr/>
-          </p:nvSpPr>
-          <p:spPr>
-            <a:xfrm>
               <a:off x="4649380" y="3484146"/>
               <a:ext cx="6173742" cy="3776449"/>
             </a:xfrm>
@@ -4191,7 +3546,7 @@
         </p:sp>
         <p:sp>
           <p:nvSpPr>
-            <p:cNvPr id="22" name="pg22"/>
+            <p:cNvPr id="7" name="pg7"/>
             <p:cNvSpPr/>
             <p:nvPr/>
           </p:nvSpPr>
@@ -4822,7 +4177,7 @@
         </p:sp>
         <p:sp>
           <p:nvSpPr>
-            <p:cNvPr id="23" name="pt23"/>
+            <p:cNvPr id="8" name="pt8"/>
             <p:cNvSpPr/>
             <p:nvPr/>
           </p:nvSpPr>
@@ -4857,7 +4212,7 @@
         </p:sp>
         <p:sp>
           <p:nvSpPr>
-            <p:cNvPr id="24" name="pt24"/>
+            <p:cNvPr id="9" name="pt9"/>
             <p:cNvSpPr/>
             <p:nvPr/>
           </p:nvSpPr>
@@ -4892,7 +4247,7 @@
         </p:sp>
         <p:sp>
           <p:nvSpPr>
-            <p:cNvPr id="25" name="pt25"/>
+            <p:cNvPr id="10" name="pt10"/>
             <p:cNvSpPr/>
             <p:nvPr/>
           </p:nvSpPr>
@@ -4927,7 +4282,7 @@
         </p:sp>
         <p:sp>
           <p:nvSpPr>
-            <p:cNvPr id="26" name="pt26"/>
+            <p:cNvPr id="11" name="pt11"/>
             <p:cNvSpPr/>
             <p:nvPr/>
           </p:nvSpPr>
@@ -4962,7 +4317,7 @@
         </p:sp>
         <p:sp>
           <p:nvSpPr>
-            <p:cNvPr id="27" name="pt27"/>
+            <p:cNvPr id="12" name="pt12"/>
             <p:cNvSpPr/>
             <p:nvPr/>
           </p:nvSpPr>
@@ -4997,7 +4352,7 @@
         </p:sp>
         <p:sp>
           <p:nvSpPr>
-            <p:cNvPr id="28" name="pt28"/>
+            <p:cNvPr id="13" name="pt13"/>
             <p:cNvSpPr/>
             <p:nvPr/>
           </p:nvSpPr>
@@ -5032,7 +4387,7 @@
         </p:sp>
         <p:sp>
           <p:nvSpPr>
-            <p:cNvPr id="29" name="pt29"/>
+            <p:cNvPr id="14" name="pt14"/>
             <p:cNvSpPr/>
             <p:nvPr/>
           </p:nvSpPr>
@@ -5067,7 +4422,7 @@
         </p:sp>
         <p:sp>
           <p:nvSpPr>
-            <p:cNvPr id="30" name="pt30"/>
+            <p:cNvPr id="15" name="pt15"/>
             <p:cNvSpPr/>
             <p:nvPr/>
           </p:nvSpPr>
@@ -5102,7 +4457,7 @@
         </p:sp>
         <p:sp>
           <p:nvSpPr>
-            <p:cNvPr id="31" name="pt31"/>
+            <p:cNvPr id="16" name="pt16"/>
             <p:cNvSpPr/>
             <p:nvPr/>
           </p:nvSpPr>
@@ -5137,7 +4492,7 @@
         </p:sp>
         <p:sp>
           <p:nvSpPr>
-            <p:cNvPr id="32" name="pt32"/>
+            <p:cNvPr id="17" name="pt17"/>
             <p:cNvSpPr/>
             <p:nvPr/>
           </p:nvSpPr>
@@ -5172,7 +4527,7 @@
         </p:sp>
         <p:sp>
           <p:nvSpPr>
-            <p:cNvPr id="33" name="pt33"/>
+            <p:cNvPr id="18" name="pt18"/>
             <p:cNvSpPr/>
             <p:nvPr/>
           </p:nvSpPr>
@@ -5207,7 +4562,7 @@
         </p:sp>
         <p:sp>
           <p:nvSpPr>
-            <p:cNvPr id="34" name="pt34"/>
+            <p:cNvPr id="19" name="pt19"/>
             <p:cNvSpPr/>
             <p:nvPr/>
           </p:nvSpPr>
@@ -5242,7 +4597,7 @@
         </p:sp>
         <p:sp>
           <p:nvSpPr>
-            <p:cNvPr id="35" name="pt35"/>
+            <p:cNvPr id="20" name="pt20"/>
             <p:cNvSpPr/>
             <p:nvPr/>
           </p:nvSpPr>
@@ -5277,7 +4632,7 @@
         </p:sp>
         <p:sp>
           <p:nvSpPr>
-            <p:cNvPr id="36" name="pt36"/>
+            <p:cNvPr id="21" name="pt21"/>
             <p:cNvSpPr/>
             <p:nvPr/>
           </p:nvSpPr>
@@ -5312,7 +4667,7 @@
         </p:sp>
         <p:sp>
           <p:nvSpPr>
-            <p:cNvPr id="37" name="pt37"/>
+            <p:cNvPr id="22" name="pt22"/>
             <p:cNvSpPr/>
             <p:nvPr/>
           </p:nvSpPr>
@@ -5347,7 +4702,7 @@
         </p:sp>
         <p:sp>
           <p:nvSpPr>
-            <p:cNvPr id="38" name="pt38"/>
+            <p:cNvPr id="23" name="pt23"/>
             <p:cNvSpPr/>
             <p:nvPr/>
           </p:nvSpPr>
@@ -5382,7 +4737,7 @@
         </p:sp>
         <p:sp>
           <p:nvSpPr>
-            <p:cNvPr id="39" name="pt39"/>
+            <p:cNvPr id="24" name="pt24"/>
             <p:cNvSpPr/>
             <p:nvPr/>
           </p:nvSpPr>
@@ -5417,7 +4772,7 @@
         </p:sp>
         <p:sp>
           <p:nvSpPr>
-            <p:cNvPr id="40" name="pt40"/>
+            <p:cNvPr id="25" name="pt25"/>
             <p:cNvSpPr/>
             <p:nvPr/>
           </p:nvSpPr>
@@ -5452,7 +4807,7 @@
         </p:sp>
         <p:sp>
           <p:nvSpPr>
-            <p:cNvPr id="41" name="pt41"/>
+            <p:cNvPr id="26" name="pt26"/>
             <p:cNvSpPr/>
             <p:nvPr/>
           </p:nvSpPr>
@@ -5487,7 +4842,7 @@
         </p:sp>
         <p:sp>
           <p:nvSpPr>
-            <p:cNvPr id="42" name="pt42"/>
+            <p:cNvPr id="27" name="pt27"/>
             <p:cNvSpPr/>
             <p:nvPr/>
           </p:nvSpPr>
@@ -5522,7 +4877,7 @@
         </p:sp>
         <p:sp>
           <p:nvSpPr>
-            <p:cNvPr id="43" name="rc43"/>
+            <p:cNvPr id="28" name="rc28"/>
             <p:cNvSpPr/>
             <p:nvPr/>
           </p:nvSpPr>
@@ -5552,7 +4907,7 @@
         </p:sp>
         <p:sp>
           <p:nvSpPr>
-            <p:cNvPr id="44" name="tx44"/>
+            <p:cNvPr id="29" name="tx29"/>
             <p:cNvSpPr/>
             <p:nvPr/>
           </p:nvSpPr>
@@ -5598,7 +4953,7 @@
         </p:sp>
         <p:sp>
           <p:nvSpPr>
-            <p:cNvPr id="45" name="tx45"/>
+            <p:cNvPr id="30" name="tx30"/>
             <p:cNvSpPr/>
             <p:nvPr/>
           </p:nvSpPr>
@@ -5644,7 +4999,7 @@
         </p:sp>
         <p:sp>
           <p:nvSpPr>
-            <p:cNvPr id="46" name="tx46"/>
+            <p:cNvPr id="31" name="tx31"/>
             <p:cNvSpPr/>
             <p:nvPr/>
           </p:nvSpPr>
@@ -5690,7 +5045,7 @@
         </p:sp>
         <p:sp>
           <p:nvSpPr>
-            <p:cNvPr id="47" name="tx47"/>
+            <p:cNvPr id="32" name="tx32"/>
             <p:cNvSpPr/>
             <p:nvPr/>
           </p:nvSpPr>
@@ -5736,7 +5091,7 @@
         </p:sp>
         <p:sp>
           <p:nvSpPr>
-            <p:cNvPr id="48" name="pl48"/>
+            <p:cNvPr id="33" name="pl33"/>
             <p:cNvSpPr/>
             <p:nvPr/>
           </p:nvSpPr>
@@ -5776,7 +5131,7 @@
         </p:sp>
         <p:sp>
           <p:nvSpPr>
-            <p:cNvPr id="49" name="pl49"/>
+            <p:cNvPr id="34" name="pl34"/>
             <p:cNvSpPr/>
             <p:nvPr/>
           </p:nvSpPr>
@@ -5816,7 +5171,7 @@
         </p:sp>
         <p:sp>
           <p:nvSpPr>
-            <p:cNvPr id="50" name="pl50"/>
+            <p:cNvPr id="35" name="pl35"/>
             <p:cNvSpPr/>
             <p:nvPr/>
           </p:nvSpPr>
@@ -5856,7 +5211,7 @@
         </p:sp>
         <p:sp>
           <p:nvSpPr>
-            <p:cNvPr id="51" name="pl51"/>
+            <p:cNvPr id="36" name="pl36"/>
             <p:cNvSpPr/>
             <p:nvPr/>
           </p:nvSpPr>
@@ -5896,7 +5251,7 @@
         </p:sp>
         <p:sp>
           <p:nvSpPr>
-            <p:cNvPr id="52" name="pl52"/>
+            <p:cNvPr id="37" name="pl37"/>
             <p:cNvSpPr/>
             <p:nvPr/>
           </p:nvSpPr>
@@ -5936,7 +5291,7 @@
         </p:sp>
         <p:sp>
           <p:nvSpPr>
-            <p:cNvPr id="53" name="pl53"/>
+            <p:cNvPr id="38" name="pl38"/>
             <p:cNvSpPr/>
             <p:nvPr/>
           </p:nvSpPr>
@@ -5976,7 +5331,7 @@
         </p:sp>
         <p:sp>
           <p:nvSpPr>
-            <p:cNvPr id="54" name="pl54"/>
+            <p:cNvPr id="39" name="pl39"/>
             <p:cNvSpPr/>
             <p:nvPr/>
           </p:nvSpPr>
@@ -6016,7 +5371,7 @@
         </p:sp>
         <p:sp>
           <p:nvSpPr>
-            <p:cNvPr id="55" name="pl55"/>
+            <p:cNvPr id="40" name="pl40"/>
             <p:cNvSpPr/>
             <p:nvPr/>
           </p:nvSpPr>
@@ -6056,7 +5411,7 @@
         </p:sp>
         <p:sp>
           <p:nvSpPr>
-            <p:cNvPr id="56" name="tx56"/>
+            <p:cNvPr id="41" name="tx41"/>
             <p:cNvSpPr/>
             <p:nvPr/>
           </p:nvSpPr>
@@ -6102,7 +5457,7 @@
         </p:sp>
         <p:sp>
           <p:nvSpPr>
-            <p:cNvPr id="57" name="tx57"/>
+            <p:cNvPr id="42" name="tx42"/>
             <p:cNvSpPr/>
             <p:nvPr/>
           </p:nvSpPr>
@@ -6148,7 +5503,7 @@
         </p:sp>
         <p:sp>
           <p:nvSpPr>
-            <p:cNvPr id="58" name="tx58"/>
+            <p:cNvPr id="43" name="tx43"/>
             <p:cNvSpPr/>
             <p:nvPr/>
           </p:nvSpPr>
@@ -6194,7 +5549,7 @@
         </p:sp>
         <p:sp>
           <p:nvSpPr>
-            <p:cNvPr id="59" name="tx59"/>
+            <p:cNvPr id="44" name="tx44"/>
             <p:cNvSpPr/>
             <p:nvPr/>
           </p:nvSpPr>
@@ -6240,14 +5595,14 @@
         </p:sp>
         <p:sp>
           <p:nvSpPr>
-            <p:cNvPr id="60" name="tx60"/>
+            <p:cNvPr id="45" name="tx45"/>
             <p:cNvSpPr/>
             <p:nvPr/>
           </p:nvSpPr>
           <p:spPr>
             <a:xfrm>
-              <a:off x="6827759" y="8804933"/>
-              <a:ext cx="1816986" cy="103584"/>
+              <a:off x="6823870" y="8804933"/>
+              <a:ext cx="1824763" cy="103584"/>
             </a:xfrm>
             <a:prstGeom prst="rect">
               <a:avLst/>
@@ -6279,14 +5634,14 @@
                   <a:latin typeface="Arial"/>
                   <a:cs typeface="Arial"/>
                 </a:rPr>
-                <a:t>industrial contribution to GDP</a:t>
+                <a:t>Industrial contribution to GDP</a:t>
               </a:r>
             </a:p>
           </p:txBody>
         </p:sp>
         <p:sp>
           <p:nvSpPr>
-            <p:cNvPr id="61" name="tx61"/>
+            <p:cNvPr id="46" name="tx46"/>
             <p:cNvSpPr/>
             <p:nvPr/>
           </p:nvSpPr>
